--- a/Ansible/Core Concepts/[Topic 1] Playbook Introduction.pptx
+++ b/Ansible/Core Concepts/[Topic 1] Playbook Introduction.pptx
@@ -5,33 +5,34 @@
     <p:sldMasterId id="2147483659" r:id="rId4"/>
   </p:sldMasterIdLst>
   <p:notesMasterIdLst>
-    <p:notesMasterId r:id="rId12"/>
+    <p:notesMasterId r:id="rId13"/>
   </p:notesMasterIdLst>
   <p:sldIdLst>
     <p:sldId id="262" r:id="rId5"/>
     <p:sldId id="291" r:id="rId6"/>
-    <p:sldId id="292" r:id="rId7"/>
-    <p:sldId id="293" r:id="rId8"/>
-    <p:sldId id="294" r:id="rId9"/>
-    <p:sldId id="295" r:id="rId10"/>
-    <p:sldId id="278" r:id="rId11"/>
+    <p:sldId id="296" r:id="rId7"/>
+    <p:sldId id="292" r:id="rId8"/>
+    <p:sldId id="293" r:id="rId9"/>
+    <p:sldId id="294" r:id="rId10"/>
+    <p:sldId id="295" r:id="rId11"/>
+    <p:sldId id="278" r:id="rId12"/>
   </p:sldIdLst>
   <p:sldSz cx="9144000" cy="5143500" type="screen16x9"/>
   <p:notesSz cx="6858000" cy="9144000"/>
   <p:embeddedFontLst>
     <p:embeddedFont>
       <p:font typeface="Fira Sans Light" panose="020B0403050000020004" pitchFamily="34" charset="0"/>
-      <p:regular r:id="rId13"/>
-      <p:bold r:id="rId14"/>
-      <p:italic r:id="rId15"/>
-      <p:boldItalic r:id="rId16"/>
+      <p:regular r:id="rId14"/>
+      <p:bold r:id="rId15"/>
+      <p:italic r:id="rId16"/>
+      <p:boldItalic r:id="rId17"/>
     </p:embeddedFont>
     <p:embeddedFont>
       <p:font typeface="Fira Sans SemiBold" panose="020B0603050000020004" pitchFamily="34" charset="0"/>
-      <p:regular r:id="rId17"/>
-      <p:bold r:id="rId18"/>
-      <p:italic r:id="rId19"/>
-      <p:boldItalic r:id="rId20"/>
+      <p:regular r:id="rId18"/>
+      <p:bold r:id="rId19"/>
+      <p:italic r:id="rId20"/>
+      <p:boldItalic r:id="rId21"/>
     </p:embeddedFont>
   </p:embeddedFontLst>
   <p:defaultTextStyle>
@@ -6453,6 +6454,74 @@
   <p:cSld>
     <p:spTree>
       <p:nvGrpSpPr>
+        <p:cNvPr id="1" name=""/>
+        <p:cNvGrpSpPr/>
+        <p:nvPr/>
+      </p:nvGrpSpPr>
+      <p:grpSpPr>
+        <a:xfrm>
+          <a:off x="0" y="0"/>
+          <a:ext cx="0" cy="0"/>
+          <a:chOff x="0" y="0"/>
+          <a:chExt cx="0" cy="0"/>
+        </a:xfrm>
+      </p:grpSpPr>
+      <p:sp>
+        <p:nvSpPr>
+          <p:cNvPr id="2" name="Slide Number Placeholder 1">
+            <a:extLst>
+              <a:ext uri="{FF2B5EF4-FFF2-40B4-BE49-F238E27FC236}">
+                <a16:creationId xmlns:a16="http://schemas.microsoft.com/office/drawing/2014/main" id="{26549816-5A2D-2340-8885-CBEACC7D90E2}"/>
+              </a:ext>
+            </a:extLst>
+          </p:cNvPr>
+          <p:cNvSpPr>
+            <a:spLocks noGrp="1"/>
+          </p:cNvSpPr>
+          <p:nvPr>
+            <p:ph type="sldNum" idx="12"/>
+          </p:nvPr>
+        </p:nvSpPr>
+        <p:spPr/>
+        <p:txBody>
+          <a:bodyPr/>
+          <a:lstStyle/>
+          <a:p>
+            <a:pPr marL="0" lvl="0" indent="0" algn="ctr" rtl="0">
+              <a:spcBef>
+                <a:spcPts val="0"/>
+              </a:spcBef>
+              <a:spcAft>
+                <a:spcPts val="0"/>
+              </a:spcAft>
+              <a:buNone/>
+            </a:pPr>
+            <a:fld id="{00000000-1234-1234-1234-123412341234}" type="slidenum">
+              <a:rPr lang="en" smtClean="0"/>
+              <a:t>3</a:t>
+            </a:fld>
+            <a:endParaRPr lang="en"/>
+          </a:p>
+        </p:txBody>
+      </p:sp>
+    </p:spTree>
+    <p:extLst>
+      <p:ext uri="{BB962C8B-B14F-4D97-AF65-F5344CB8AC3E}">
+        <p14:creationId xmlns:p14="http://schemas.microsoft.com/office/powerpoint/2010/main" val="1065430919"/>
+      </p:ext>
+    </p:extLst>
+  </p:cSld>
+  <p:clrMapOvr>
+    <a:masterClrMapping/>
+  </p:clrMapOvr>
+</p:sld>
+</file>
+
+<file path=ppt/slides/slide4.xml><?xml version="1.0" encoding="utf-8"?>
+<p:sld xmlns:a="http://schemas.openxmlformats.org/drawingml/2006/main" xmlns:r="http://schemas.openxmlformats.org/officeDocument/2006/relationships" xmlns:p="http://schemas.openxmlformats.org/presentationml/2006/main">
+  <p:cSld>
+    <p:spTree>
+      <p:nvGrpSpPr>
         <p:cNvPr id="1" name="Shape 200"/>
         <p:cNvGrpSpPr/>
         <p:nvPr/>
@@ -7475,7 +7544,7 @@
             </a:pPr>
             <a:fld id="{00000000-1234-1234-1234-123412341234}" type="slidenum">
               <a:rPr lang="en"/>
-              <a:t>3</a:t>
+              <a:t>4</a:t>
             </a:fld>
             <a:endParaRPr/>
           </a:p>
@@ -7554,7 +7623,7 @@
 </p:sld>
 </file>
 
-<file path=ppt/slides/slide4.xml><?xml version="1.0" encoding="utf-8"?>
+<file path=ppt/slides/slide5.xml><?xml version="1.0" encoding="utf-8"?>
 <p:sld xmlns:a="http://schemas.openxmlformats.org/drawingml/2006/main" xmlns:r="http://schemas.openxmlformats.org/officeDocument/2006/relationships" xmlns:p="http://schemas.openxmlformats.org/presentationml/2006/main">
   <p:cSld>
     <p:spTree>
@@ -8685,7 +8754,7 @@
             </a:pPr>
             <a:fld id="{00000000-1234-1234-1234-123412341234}" type="slidenum">
               <a:rPr lang="en"/>
-              <a:t>4</a:t>
+              <a:t>5</a:t>
             </a:fld>
             <a:endParaRPr/>
           </a:p>
@@ -8824,7 +8893,7 @@
 </p:sld>
 </file>
 
-<file path=ppt/slides/slide5.xml><?xml version="1.0" encoding="utf-8"?>
+<file path=ppt/slides/slide6.xml><?xml version="1.0" encoding="utf-8"?>
 <p:sld xmlns:a="http://schemas.openxmlformats.org/drawingml/2006/main" xmlns:r="http://schemas.openxmlformats.org/officeDocument/2006/relationships" xmlns:p="http://schemas.openxmlformats.org/presentationml/2006/main">
   <p:cSld>
     <p:spTree>
@@ -9895,7 +9964,7 @@
             </a:pPr>
             <a:fld id="{00000000-1234-1234-1234-123412341234}" type="slidenum">
               <a:rPr lang="en"/>
-              <a:t>5</a:t>
+              <a:t>6</a:t>
             </a:fld>
             <a:endParaRPr/>
           </a:p>
@@ -9914,7 +9983,7 @@
 </p:sld>
 </file>
 
-<file path=ppt/slides/slide6.xml><?xml version="1.0" encoding="utf-8"?>
+<file path=ppt/slides/slide7.xml><?xml version="1.0" encoding="utf-8"?>
 <p:sld xmlns:a="http://schemas.openxmlformats.org/drawingml/2006/main" xmlns:r="http://schemas.openxmlformats.org/officeDocument/2006/relationships" xmlns:p="http://schemas.openxmlformats.org/presentationml/2006/main">
   <p:cSld>
     <p:spTree>
@@ -11065,7 +11134,7 @@
             </a:pPr>
             <a:fld id="{00000000-1234-1234-1234-123412341234}" type="slidenum">
               <a:rPr lang="en"/>
-              <a:t>6</a:t>
+              <a:t>7</a:t>
             </a:fld>
             <a:endParaRPr/>
           </a:p>
@@ -11114,7 +11183,7 @@
 </p:sld>
 </file>
 
-<file path=ppt/slides/slide7.xml><?xml version="1.0" encoding="utf-8"?>
+<file path=ppt/slides/slide8.xml><?xml version="1.0" encoding="utf-8"?>
 <p:sld xmlns:a="http://schemas.openxmlformats.org/drawingml/2006/main" xmlns:r="http://schemas.openxmlformats.org/officeDocument/2006/relationships" xmlns:p="http://schemas.openxmlformats.org/presentationml/2006/main">
   <p:cSld>
     <p:bg>
@@ -11279,7 +11348,7 @@
             </a:pPr>
             <a:fld id="{00000000-1234-1234-1234-123412341234}" type="slidenum">
               <a:rPr lang="en"/>
-              <a:t>7</a:t>
+              <a:t>8</a:t>
             </a:fld>
             <a:endParaRPr/>
           </a:p>
@@ -12689,9 +12758,12 @@
 </file>
 
 <file path=customXml/item1.xml><?xml version="1.0" encoding="utf-8"?>
-<p:properties xmlns:p="http://schemas.microsoft.com/office/2006/metadata/properties" xmlns:xsi="http://www.w3.org/2001/XMLSchema-instance" xmlns:pc="http://schemas.microsoft.com/office/infopath/2007/PartnerControls">
-  <documentManagement/>
-</p:properties>
+<?mso-contentType ?>
+<FormTemplates xmlns="http://schemas.microsoft.com/sharepoint/v3/contenttype/forms">
+  <Display>DocumentLibraryForm</Display>
+  <Edit>DocumentLibraryForm</Edit>
+  <New>DocumentLibraryForm</New>
+</FormTemplates>
 </file>
 
 <file path=customXml/item2.xml><?xml version="1.0" encoding="utf-8"?>
@@ -12859,26 +12931,15 @@
 </file>
 
 <file path=customXml/item3.xml><?xml version="1.0" encoding="utf-8"?>
-<?mso-contentType ?>
-<FormTemplates xmlns="http://schemas.microsoft.com/sharepoint/v3/contenttype/forms">
-  <Display>DocumentLibraryForm</Display>
-  <Edit>DocumentLibraryForm</Edit>
-  <New>DocumentLibraryForm</New>
-</FormTemplates>
+<p:properties xmlns:p="http://schemas.microsoft.com/office/2006/metadata/properties" xmlns:xsi="http://www.w3.org/2001/XMLSchema-instance" xmlns:pc="http://schemas.microsoft.com/office/infopath/2007/PartnerControls">
+  <documentManagement/>
+</p:properties>
 </file>
 
 <file path=customXml/itemProps1.xml><?xml version="1.0" encoding="utf-8"?>
-<ds:datastoreItem xmlns:ds="http://schemas.openxmlformats.org/officeDocument/2006/customXml" ds:itemID="{789A2961-2029-41AF-87D9-8BAF72D2D5BA}">
+<ds:datastoreItem xmlns:ds="http://schemas.openxmlformats.org/officeDocument/2006/customXml" ds:itemID="{417345C4-7E64-457A-AA9E-BA2136C9346A}">
   <ds:schemaRefs>
-    <ds:schemaRef ds:uri="http://schemas.microsoft.com/office/2006/metadata/properties"/>
-    <ds:schemaRef ds:uri="http://purl.org/dc/terms/"/>
-    <ds:schemaRef ds:uri="http://schemas.microsoft.com/office/2006/documentManagement/types"/>
-    <ds:schemaRef ds:uri="http://schemas.microsoft.com/office/infopath/2007/PartnerControls"/>
-    <ds:schemaRef ds:uri="http://schemas.openxmlformats.org/package/2006/metadata/core-properties"/>
-    <ds:schemaRef ds:uri="http://purl.org/dc/elements/1.1/"/>
-    <ds:schemaRef ds:uri="642eb60d-cc9a-4516-9a20-6ebdc1e20806"/>
-    <ds:schemaRef ds:uri="http://www.w3.org/XML/1998/namespace"/>
-    <ds:schemaRef ds:uri="http://purl.org/dc/dcmitype/"/>
+    <ds:schemaRef ds:uri="http://schemas.microsoft.com/sharepoint/v3/contenttype/forms"/>
   </ds:schemaRefs>
 </ds:datastoreItem>
 </file>
@@ -12902,9 +12963,17 @@
 </file>
 
 <file path=customXml/itemProps3.xml><?xml version="1.0" encoding="utf-8"?>
-<ds:datastoreItem xmlns:ds="http://schemas.openxmlformats.org/officeDocument/2006/customXml" ds:itemID="{417345C4-7E64-457A-AA9E-BA2136C9346A}">
+<ds:datastoreItem xmlns:ds="http://schemas.openxmlformats.org/officeDocument/2006/customXml" ds:itemID="{789A2961-2029-41AF-87D9-8BAF72D2D5BA}">
   <ds:schemaRefs>
-    <ds:schemaRef ds:uri="http://schemas.microsoft.com/sharepoint/v3/contenttype/forms"/>
+    <ds:schemaRef ds:uri="http://schemas.microsoft.com/office/2006/metadata/properties"/>
+    <ds:schemaRef ds:uri="http://purl.org/dc/terms/"/>
+    <ds:schemaRef ds:uri="http://schemas.microsoft.com/office/2006/documentManagement/types"/>
+    <ds:schemaRef ds:uri="http://schemas.microsoft.com/office/infopath/2007/PartnerControls"/>
+    <ds:schemaRef ds:uri="http://schemas.openxmlformats.org/package/2006/metadata/core-properties"/>
+    <ds:schemaRef ds:uri="http://purl.org/dc/elements/1.1/"/>
+    <ds:schemaRef ds:uri="642eb60d-cc9a-4516-9a20-6ebdc1e20806"/>
+    <ds:schemaRef ds:uri="http://www.w3.org/XML/1998/namespace"/>
+    <ds:schemaRef ds:uri="http://purl.org/dc/dcmitype/"/>
   </ds:schemaRefs>
 </ds:datastoreItem>
 </file>
--- a/Ansible/Core Concepts/[Topic 1] Playbook Introduction.pptx
+++ b/Ansible/Core Concepts/[Topic 1] Playbook Introduction.pptx
@@ -5,34 +5,33 @@
     <p:sldMasterId id="2147483659" r:id="rId4"/>
   </p:sldMasterIdLst>
   <p:notesMasterIdLst>
-    <p:notesMasterId r:id="rId13"/>
+    <p:notesMasterId r:id="rId12"/>
   </p:notesMasterIdLst>
   <p:sldIdLst>
     <p:sldId id="262" r:id="rId5"/>
     <p:sldId id="291" r:id="rId6"/>
-    <p:sldId id="296" r:id="rId7"/>
-    <p:sldId id="292" r:id="rId8"/>
-    <p:sldId id="293" r:id="rId9"/>
-    <p:sldId id="294" r:id="rId10"/>
-    <p:sldId id="295" r:id="rId11"/>
-    <p:sldId id="278" r:id="rId12"/>
+    <p:sldId id="292" r:id="rId7"/>
+    <p:sldId id="293" r:id="rId8"/>
+    <p:sldId id="294" r:id="rId9"/>
+    <p:sldId id="295" r:id="rId10"/>
+    <p:sldId id="278" r:id="rId11"/>
   </p:sldIdLst>
   <p:sldSz cx="9144000" cy="5143500" type="screen16x9"/>
   <p:notesSz cx="6858000" cy="9144000"/>
   <p:embeddedFontLst>
     <p:embeddedFont>
       <p:font typeface="Fira Sans Light" panose="020B0403050000020004" pitchFamily="34" charset="0"/>
-      <p:regular r:id="rId14"/>
-      <p:bold r:id="rId15"/>
-      <p:italic r:id="rId16"/>
-      <p:boldItalic r:id="rId17"/>
+      <p:regular r:id="rId13"/>
+      <p:bold r:id="rId14"/>
+      <p:italic r:id="rId15"/>
+      <p:boldItalic r:id="rId16"/>
     </p:embeddedFont>
     <p:embeddedFont>
       <p:font typeface="Fira Sans SemiBold" panose="020B0603050000020004" pitchFamily="34" charset="0"/>
-      <p:regular r:id="rId18"/>
-      <p:bold r:id="rId19"/>
-      <p:italic r:id="rId20"/>
-      <p:boldItalic r:id="rId21"/>
+      <p:regular r:id="rId17"/>
+      <p:bold r:id="rId18"/>
+      <p:italic r:id="rId19"/>
+      <p:boldItalic r:id="rId20"/>
     </p:embeddedFont>
   </p:embeddedFontLst>
   <p:defaultTextStyle>
@@ -6454,74 +6453,6 @@
   <p:cSld>
     <p:spTree>
       <p:nvGrpSpPr>
-        <p:cNvPr id="1" name=""/>
-        <p:cNvGrpSpPr/>
-        <p:nvPr/>
-      </p:nvGrpSpPr>
-      <p:grpSpPr>
-        <a:xfrm>
-          <a:off x="0" y="0"/>
-          <a:ext cx="0" cy="0"/>
-          <a:chOff x="0" y="0"/>
-          <a:chExt cx="0" cy="0"/>
-        </a:xfrm>
-      </p:grpSpPr>
-      <p:sp>
-        <p:nvSpPr>
-          <p:cNvPr id="2" name="Slide Number Placeholder 1">
-            <a:extLst>
-              <a:ext uri="{FF2B5EF4-FFF2-40B4-BE49-F238E27FC236}">
-                <a16:creationId xmlns:a16="http://schemas.microsoft.com/office/drawing/2014/main" id="{26549816-5A2D-2340-8885-CBEACC7D90E2}"/>
-              </a:ext>
-            </a:extLst>
-          </p:cNvPr>
-          <p:cNvSpPr>
-            <a:spLocks noGrp="1"/>
-          </p:cNvSpPr>
-          <p:nvPr>
-            <p:ph type="sldNum" idx="12"/>
-          </p:nvPr>
-        </p:nvSpPr>
-        <p:spPr/>
-        <p:txBody>
-          <a:bodyPr/>
-          <a:lstStyle/>
-          <a:p>
-            <a:pPr marL="0" lvl="0" indent="0" algn="ctr" rtl="0">
-              <a:spcBef>
-                <a:spcPts val="0"/>
-              </a:spcBef>
-              <a:spcAft>
-                <a:spcPts val="0"/>
-              </a:spcAft>
-              <a:buNone/>
-            </a:pPr>
-            <a:fld id="{00000000-1234-1234-1234-123412341234}" type="slidenum">
-              <a:rPr lang="en" smtClean="0"/>
-              <a:t>3</a:t>
-            </a:fld>
-            <a:endParaRPr lang="en"/>
-          </a:p>
-        </p:txBody>
-      </p:sp>
-    </p:spTree>
-    <p:extLst>
-      <p:ext uri="{BB962C8B-B14F-4D97-AF65-F5344CB8AC3E}">
-        <p14:creationId xmlns:p14="http://schemas.microsoft.com/office/powerpoint/2010/main" val="1065430919"/>
-      </p:ext>
-    </p:extLst>
-  </p:cSld>
-  <p:clrMapOvr>
-    <a:masterClrMapping/>
-  </p:clrMapOvr>
-</p:sld>
-</file>
-
-<file path=ppt/slides/slide4.xml><?xml version="1.0" encoding="utf-8"?>
-<p:sld xmlns:a="http://schemas.openxmlformats.org/drawingml/2006/main" xmlns:r="http://schemas.openxmlformats.org/officeDocument/2006/relationships" xmlns:p="http://schemas.openxmlformats.org/presentationml/2006/main">
-  <p:cSld>
-    <p:spTree>
-      <p:nvGrpSpPr>
         <p:cNvPr id="1" name="Shape 200"/>
         <p:cNvGrpSpPr/>
         <p:nvPr/>
@@ -7544,7 +7475,7 @@
             </a:pPr>
             <a:fld id="{00000000-1234-1234-1234-123412341234}" type="slidenum">
               <a:rPr lang="en"/>
-              <a:t>4</a:t>
+              <a:t>3</a:t>
             </a:fld>
             <a:endParaRPr/>
           </a:p>
@@ -7623,7 +7554,7 @@
 </p:sld>
 </file>
 
-<file path=ppt/slides/slide5.xml><?xml version="1.0" encoding="utf-8"?>
+<file path=ppt/slides/slide4.xml><?xml version="1.0" encoding="utf-8"?>
 <p:sld xmlns:a="http://schemas.openxmlformats.org/drawingml/2006/main" xmlns:r="http://schemas.openxmlformats.org/officeDocument/2006/relationships" xmlns:p="http://schemas.openxmlformats.org/presentationml/2006/main">
   <p:cSld>
     <p:spTree>
@@ -8754,7 +8685,7 @@
             </a:pPr>
             <a:fld id="{00000000-1234-1234-1234-123412341234}" type="slidenum">
               <a:rPr lang="en"/>
-              <a:t>5</a:t>
+              <a:t>4</a:t>
             </a:fld>
             <a:endParaRPr/>
           </a:p>
@@ -8893,7 +8824,7 @@
 </p:sld>
 </file>
 
-<file path=ppt/slides/slide6.xml><?xml version="1.0" encoding="utf-8"?>
+<file path=ppt/slides/slide5.xml><?xml version="1.0" encoding="utf-8"?>
 <p:sld xmlns:a="http://schemas.openxmlformats.org/drawingml/2006/main" xmlns:r="http://schemas.openxmlformats.org/officeDocument/2006/relationships" xmlns:p="http://schemas.openxmlformats.org/presentationml/2006/main">
   <p:cSld>
     <p:spTree>
@@ -9964,7 +9895,7 @@
             </a:pPr>
             <a:fld id="{00000000-1234-1234-1234-123412341234}" type="slidenum">
               <a:rPr lang="en"/>
-              <a:t>6</a:t>
+              <a:t>5</a:t>
             </a:fld>
             <a:endParaRPr/>
           </a:p>
@@ -9983,7 +9914,7 @@
 </p:sld>
 </file>
 
-<file path=ppt/slides/slide7.xml><?xml version="1.0" encoding="utf-8"?>
+<file path=ppt/slides/slide6.xml><?xml version="1.0" encoding="utf-8"?>
 <p:sld xmlns:a="http://schemas.openxmlformats.org/drawingml/2006/main" xmlns:r="http://schemas.openxmlformats.org/officeDocument/2006/relationships" xmlns:p="http://schemas.openxmlformats.org/presentationml/2006/main">
   <p:cSld>
     <p:spTree>
@@ -11134,7 +11065,7 @@
             </a:pPr>
             <a:fld id="{00000000-1234-1234-1234-123412341234}" type="slidenum">
               <a:rPr lang="en"/>
-              <a:t>7</a:t>
+              <a:t>6</a:t>
             </a:fld>
             <a:endParaRPr/>
           </a:p>
@@ -11183,7 +11114,7 @@
 </p:sld>
 </file>
 
-<file path=ppt/slides/slide8.xml><?xml version="1.0" encoding="utf-8"?>
+<file path=ppt/slides/slide7.xml><?xml version="1.0" encoding="utf-8"?>
 <p:sld xmlns:a="http://schemas.openxmlformats.org/drawingml/2006/main" xmlns:r="http://schemas.openxmlformats.org/officeDocument/2006/relationships" xmlns:p="http://schemas.openxmlformats.org/presentationml/2006/main">
   <p:cSld>
     <p:bg>
@@ -11348,7 +11279,7 @@
             </a:pPr>
             <a:fld id="{00000000-1234-1234-1234-123412341234}" type="slidenum">
               <a:rPr lang="en"/>
-              <a:t>8</a:t>
+              <a:t>7</a:t>
             </a:fld>
             <a:endParaRPr/>
           </a:p>
@@ -12758,15 +12689,6 @@
 </file>
 
 <file path=customXml/item1.xml><?xml version="1.0" encoding="utf-8"?>
-<?mso-contentType ?>
-<FormTemplates xmlns="http://schemas.microsoft.com/sharepoint/v3/contenttype/forms">
-  <Display>DocumentLibraryForm</Display>
-  <Edit>DocumentLibraryForm</Edit>
-  <New>DocumentLibraryForm</New>
-</FormTemplates>
-</file>
-
-<file path=customXml/item2.xml><?xml version="1.0" encoding="utf-8"?>
 <ct:contentTypeSchema xmlns:ct="http://schemas.microsoft.com/office/2006/metadata/contentType" xmlns:ma="http://schemas.microsoft.com/office/2006/metadata/properties/metaAttributes" ct:_="" ma:_="" ma:contentTypeName="Document" ma:contentTypeID="0x010100C533359BDD75EF4AB8C070518529B512" ma:contentTypeVersion="7" ma:contentTypeDescription="Create a new document." ma:contentTypeScope="" ma:versionID="0d95916ef289e0b2d70c221aa3b7bfab">
   <xsd:schema xmlns:xsd="http://www.w3.org/2001/XMLSchema" xmlns:xs="http://www.w3.org/2001/XMLSchema" xmlns:p="http://schemas.microsoft.com/office/2006/metadata/properties" xmlns:ns3="642eb60d-cc9a-4516-9a20-6ebdc1e20806" targetNamespace="http://schemas.microsoft.com/office/2006/metadata/properties" ma:root="true" ma:fieldsID="9fbfb8a2ea84a443187203af8cecb9e0" ns3:_="">
     <xsd:import namespace="642eb60d-cc9a-4516-9a20-6ebdc1e20806"/>
@@ -12930,6 +12852,15 @@
 </ct:contentTypeSchema>
 </file>
 
+<file path=customXml/item2.xml><?xml version="1.0" encoding="utf-8"?>
+<?mso-contentType ?>
+<FormTemplates xmlns="http://schemas.microsoft.com/sharepoint/v3/contenttype/forms">
+  <Display>DocumentLibraryForm</Display>
+  <Edit>DocumentLibraryForm</Edit>
+  <New>DocumentLibraryForm</New>
+</FormTemplates>
+</file>
+
 <file path=customXml/item3.xml><?xml version="1.0" encoding="utf-8"?>
 <p:properties xmlns:p="http://schemas.microsoft.com/office/2006/metadata/properties" xmlns:xsi="http://www.w3.org/2001/XMLSchema-instance" xmlns:pc="http://schemas.microsoft.com/office/infopath/2007/PartnerControls">
   <documentManagement/>
@@ -12937,14 +12868,6 @@
 </file>
 
 <file path=customXml/itemProps1.xml><?xml version="1.0" encoding="utf-8"?>
-<ds:datastoreItem xmlns:ds="http://schemas.openxmlformats.org/officeDocument/2006/customXml" ds:itemID="{417345C4-7E64-457A-AA9E-BA2136C9346A}">
-  <ds:schemaRefs>
-    <ds:schemaRef ds:uri="http://schemas.microsoft.com/sharepoint/v3/contenttype/forms"/>
-  </ds:schemaRefs>
-</ds:datastoreItem>
-</file>
-
-<file path=customXml/itemProps2.xml><?xml version="1.0" encoding="utf-8"?>
 <ds:datastoreItem xmlns:ds="http://schemas.openxmlformats.org/officeDocument/2006/customXml" ds:itemID="{0EC0CF20-25C1-439D-BCFD-DF4231179503}">
   <ds:schemaRefs>
     <ds:schemaRef ds:uri="http://schemas.microsoft.com/office/2006/metadata/contentType"/>
@@ -12958,6 +12881,14 @@
     <ds:schemaRef ds:uri="http://purl.org/dc/elements/1.1/"/>
     <ds:schemaRef ds:uri="http://purl.org/dc/terms/"/>
     <ds:schemaRef ds:uri="http://schemas.microsoft.com/internal/obd"/>
+  </ds:schemaRefs>
+</ds:datastoreItem>
+</file>
+
+<file path=customXml/itemProps2.xml><?xml version="1.0" encoding="utf-8"?>
+<ds:datastoreItem xmlns:ds="http://schemas.openxmlformats.org/officeDocument/2006/customXml" ds:itemID="{417345C4-7E64-457A-AA9E-BA2136C9346A}">
+  <ds:schemaRefs>
+    <ds:schemaRef ds:uri="http://schemas.microsoft.com/sharepoint/v3/contenttype/forms"/>
   </ds:schemaRefs>
 </ds:datastoreItem>
 </file>
